--- a/오픈소스 SW – 1조.pptx(새로고침.pptx
+++ b/오픈소스 SW – 1조.pptx(새로고침.pptx
@@ -5,7 +5,7 @@
     <p:sldMasterId id="2147483912" r:id="rId1"/>
   </p:sldMasterIdLst>
   <p:notesMasterIdLst>
-    <p:notesMasterId r:id="rId13"/>
+    <p:notesMasterId r:id="rId14"/>
   </p:notesMasterIdLst>
   <p:sldIdLst>
     <p:sldId id="256" r:id="rId2"/>
@@ -17,8 +17,9 @@
     <p:sldId id="262" r:id="rId8"/>
     <p:sldId id="265" r:id="rId9"/>
     <p:sldId id="263" r:id="rId10"/>
-    <p:sldId id="264" r:id="rId11"/>
-    <p:sldId id="266" r:id="rId12"/>
+    <p:sldId id="267" r:id="rId11"/>
+    <p:sldId id="264" r:id="rId12"/>
+    <p:sldId id="266" r:id="rId13"/>
   </p:sldIdLst>
   <p:sldSz cx="9144000" cy="6858000" type="screen4x3"/>
   <p:notesSz cx="6858000" cy="9144000"/>
@@ -119,7 +120,7 @@
   </p:defaultTextStyle>
   <p:extLst>
     <p:ext uri="{EFAFB233-063F-42B5-8137-9DF3F51BA10A}">
-      <p15:sldGuideLst xmlns:p15="http://schemas.microsoft.com/office/powerpoint/2012/main" xmlns="">
+      <p15:sldGuideLst xmlns="" xmlns:p15="http://schemas.microsoft.com/office/powerpoint/2012/main">
         <p15:guide id="1" orient="horz" pos="2160">
           <p15:clr>
             <a:srgbClr val="A4A3A4"/>
@@ -218,7 +219,8 @@
           <a:p>
             <a:fld id="{2473F7A8-F86C-4182-906F-1C34EF2F0EE9}" type="datetimeFigureOut">
               <a:rPr lang="ko-KR" altLang="en-US" smtClean="0"/>
-              <a:t>2016-12-03</a:t>
+              <a:pPr/>
+              <a:t>2016-12-05</a:t>
             </a:fld>
             <a:endParaRPr lang="ko-KR" altLang="en-US"/>
           </a:p>
@@ -379,6 +381,7 @@
           <a:p>
             <a:fld id="{C4EF529C-DB65-45B3-9976-3E9E56B854CD}" type="slidenum">
               <a:rPr lang="ko-KR" altLang="en-US" smtClean="0"/>
+              <a:pPr/>
               <a:t>‹#›</a:t>
             </a:fld>
             <a:endParaRPr lang="ko-KR" altLang="en-US"/>
@@ -388,7 +391,7 @@
     </p:spTree>
     <p:extLst>
       <p:ext uri="{BB962C8B-B14F-4D97-AF65-F5344CB8AC3E}">
-        <p14:creationId xmlns:p14="http://schemas.microsoft.com/office/powerpoint/2010/main" val="3037921307"/>
+        <p14:creationId xmlns:p14="http://schemas.microsoft.com/office/powerpoint/2010/main" xmlns="" val="3037921307"/>
       </p:ext>
     </p:extLst>
   </p:cSld>
@@ -1146,7 +1149,8 @@
           <a:p>
             <a:fld id="{92C474DB-1103-462B-862C-83894EB9750C}" type="datetime1">
               <a:rPr lang="ko-KR" altLang="en-US" smtClean="0"/>
-              <a:t>2016-12-03</a:t>
+              <a:pPr/>
+              <a:t>2016-12-05</a:t>
             </a:fld>
             <a:endParaRPr lang="ko-KR" altLang="en-US"/>
           </a:p>
@@ -1206,6 +1210,7 @@
           <a:p>
             <a:fld id="{29DDBE92-39D1-46FF-9A42-06693BAB89C2}" type="slidenum">
               <a:rPr lang="ko-KR" altLang="en-US" smtClean="0"/>
+              <a:pPr/>
               <a:t>‹#›</a:t>
             </a:fld>
             <a:endParaRPr lang="ko-KR" altLang="en-US"/>
@@ -1329,7 +1334,8 @@
           <a:p>
             <a:fld id="{001570F0-E290-4179-B41B-23FA116B50B9}" type="datetime1">
               <a:rPr lang="ko-KR" altLang="en-US" smtClean="0"/>
-              <a:t>2016-12-03</a:t>
+              <a:pPr/>
+              <a:t>2016-12-05</a:t>
             </a:fld>
             <a:endParaRPr lang="ko-KR" altLang="en-US"/>
           </a:p>
@@ -1371,6 +1377,7 @@
           <a:p>
             <a:fld id="{29DDBE92-39D1-46FF-9A42-06693BAB89C2}" type="slidenum">
               <a:rPr lang="ko-KR" altLang="en-US" smtClean="0"/>
+              <a:pPr/>
               <a:t>‹#›</a:t>
             </a:fld>
             <a:endParaRPr lang="ko-KR" altLang="en-US"/>
@@ -1504,7 +1511,8 @@
           <a:p>
             <a:fld id="{2BB3AE11-9D13-4173-95EA-3363A4FBBC81}" type="datetime1">
               <a:rPr lang="ko-KR" altLang="en-US" smtClean="0"/>
-              <a:t>2016-12-03</a:t>
+              <a:pPr/>
+              <a:t>2016-12-05</a:t>
             </a:fld>
             <a:endParaRPr lang="ko-KR" altLang="en-US"/>
           </a:p>
@@ -1546,6 +1554,7 @@
           <a:p>
             <a:fld id="{29DDBE92-39D1-46FF-9A42-06693BAB89C2}" type="slidenum">
               <a:rPr lang="ko-KR" altLang="en-US" smtClean="0"/>
+              <a:pPr/>
               <a:t>‹#›</a:t>
             </a:fld>
             <a:endParaRPr lang="ko-KR" altLang="en-US"/>
@@ -1669,7 +1678,8 @@
           <a:p>
             <a:fld id="{F871EBBF-68AB-488D-B8CF-BFC87F8B0AEE}" type="datetime1">
               <a:rPr lang="ko-KR" altLang="en-US" smtClean="0"/>
-              <a:t>2016-12-03</a:t>
+              <a:pPr/>
+              <a:t>2016-12-05</a:t>
             </a:fld>
             <a:endParaRPr lang="ko-KR" altLang="en-US"/>
           </a:p>
@@ -1711,6 +1721,7 @@
           <a:p>
             <a:fld id="{29DDBE92-39D1-46FF-9A42-06693BAB89C2}" type="slidenum">
               <a:rPr lang="ko-KR" altLang="en-US" smtClean="0"/>
+              <a:pPr/>
               <a:t>‹#›</a:t>
             </a:fld>
             <a:endParaRPr lang="ko-KR" altLang="en-US"/>
@@ -1890,7 +1901,8 @@
           <a:p>
             <a:fld id="{F840A520-0B12-4BD8-AAD0-01968EA431FC}" type="datetime1">
               <a:rPr lang="ko-KR" altLang="en-US" smtClean="0"/>
-              <a:t>2016-12-03</a:t>
+              <a:pPr/>
+              <a:t>2016-12-05</a:t>
             </a:fld>
             <a:endParaRPr lang="ko-KR" altLang="en-US"/>
           </a:p>
@@ -1932,6 +1944,7 @@
           <a:p>
             <a:fld id="{29DDBE92-39D1-46FF-9A42-06693BAB89C2}" type="slidenum">
               <a:rPr lang="ko-KR" altLang="en-US" smtClean="0"/>
+              <a:pPr/>
               <a:t>‹#›</a:t>
             </a:fld>
             <a:endParaRPr lang="ko-KR" altLang="en-US"/>
@@ -2149,7 +2162,8 @@
           <a:p>
             <a:fld id="{B294D1BC-E0F5-498F-B201-C73C4192588D}" type="datetime1">
               <a:rPr lang="ko-KR" altLang="en-US" smtClean="0"/>
-              <a:t>2016-12-03</a:t>
+              <a:pPr/>
+              <a:t>2016-12-05</a:t>
             </a:fld>
             <a:endParaRPr lang="ko-KR" altLang="en-US"/>
           </a:p>
@@ -2191,6 +2205,7 @@
           <a:p>
             <a:fld id="{29DDBE92-39D1-46FF-9A42-06693BAB89C2}" type="slidenum">
               <a:rPr lang="ko-KR" altLang="en-US" smtClean="0"/>
+              <a:pPr/>
               <a:t>‹#›</a:t>
             </a:fld>
             <a:endParaRPr lang="ko-KR" altLang="en-US"/>
@@ -2553,7 +2568,8 @@
           <a:p>
             <a:fld id="{10E765A6-2784-4FA5-B097-05ABCEF0FB60}" type="datetime1">
               <a:rPr lang="ko-KR" altLang="en-US" smtClean="0"/>
-              <a:t>2016-12-03</a:t>
+              <a:pPr/>
+              <a:t>2016-12-05</a:t>
             </a:fld>
             <a:endParaRPr lang="ko-KR" altLang="en-US"/>
           </a:p>
@@ -2576,6 +2592,7 @@
           <a:p>
             <a:fld id="{29DDBE92-39D1-46FF-9A42-06693BAB89C2}" type="slidenum">
               <a:rPr lang="ko-KR" altLang="en-US" smtClean="0"/>
+              <a:pPr/>
               <a:t>‹#›</a:t>
             </a:fld>
             <a:endParaRPr lang="ko-KR" altLang="en-US"/>
@@ -2684,7 +2701,8 @@
           <a:p>
             <a:fld id="{21267694-FB24-4403-8435-B218458083E2}" type="datetime1">
               <a:rPr lang="ko-KR" altLang="en-US" smtClean="0"/>
-              <a:t>2016-12-03</a:t>
+              <a:pPr/>
+              <a:t>2016-12-05</a:t>
             </a:fld>
             <a:endParaRPr lang="ko-KR" altLang="en-US"/>
           </a:p>
@@ -2736,6 +2754,7 @@
           <a:p>
             <a:fld id="{29DDBE92-39D1-46FF-9A42-06693BAB89C2}" type="slidenum">
               <a:rPr lang="ko-KR" altLang="en-US" smtClean="0"/>
+              <a:pPr/>
               <a:t>‹#›</a:t>
             </a:fld>
             <a:endParaRPr lang="ko-KR" altLang="en-US"/>
@@ -2784,7 +2803,8 @@
           <a:p>
             <a:fld id="{430A4F2B-EC2B-44F7-B019-A98062AA4E48}" type="datetime1">
               <a:rPr lang="ko-KR" altLang="en-US" smtClean="0"/>
-              <a:t>2016-12-03</a:t>
+              <a:pPr/>
+              <a:t>2016-12-05</a:t>
             </a:fld>
             <a:endParaRPr lang="ko-KR" altLang="en-US"/>
           </a:p>
@@ -2826,6 +2846,7 @@
           <a:p>
             <a:fld id="{29DDBE92-39D1-46FF-9A42-06693BAB89C2}" type="slidenum">
               <a:rPr lang="ko-KR" altLang="en-US" smtClean="0"/>
+              <a:pPr/>
               <a:t>‹#›</a:t>
             </a:fld>
             <a:endParaRPr lang="ko-KR" altLang="en-US"/>
@@ -3029,7 +3050,8 @@
           <a:p>
             <a:fld id="{8D377142-E7AE-4351-947B-9F4B80AEED15}" type="datetime1">
               <a:rPr lang="ko-KR" altLang="en-US" smtClean="0"/>
-              <a:t>2016-12-03</a:t>
+              <a:pPr/>
+              <a:t>2016-12-05</a:t>
             </a:fld>
             <a:endParaRPr lang="ko-KR" altLang="en-US"/>
           </a:p>
@@ -3071,6 +3093,7 @@
           <a:p>
             <a:fld id="{29DDBE92-39D1-46FF-9A42-06693BAB89C2}" type="slidenum">
               <a:rPr lang="ko-KR" altLang="en-US" smtClean="0"/>
+              <a:pPr/>
               <a:t>‹#›</a:t>
             </a:fld>
             <a:endParaRPr lang="ko-KR" altLang="en-US"/>
@@ -3273,7 +3296,8 @@
           <a:p>
             <a:fld id="{81D4640C-E4BC-4A0D-99B5-A6FF1A5DFA7C}" type="datetime1">
               <a:rPr lang="ko-KR" altLang="en-US" smtClean="0"/>
-              <a:t>2016-12-03</a:t>
+              <a:pPr/>
+              <a:t>2016-12-05</a:t>
             </a:fld>
             <a:endParaRPr lang="ko-KR" altLang="en-US"/>
           </a:p>
@@ -3315,6 +3339,7 @@
           <a:p>
             <a:fld id="{29DDBE92-39D1-46FF-9A42-06693BAB89C2}" type="slidenum">
               <a:rPr lang="ko-KR" altLang="en-US" smtClean="0"/>
+              <a:pPr/>
               <a:t>‹#›</a:t>
             </a:fld>
             <a:endParaRPr lang="ko-KR" altLang="en-US"/>
@@ -4097,7 +4122,8 @@
           <a:p>
             <a:fld id="{6F1A5195-2496-42DC-809F-C29C95DDA5D0}" type="datetime1">
               <a:rPr lang="ko-KR" altLang="en-US" smtClean="0"/>
-              <a:t>2016-12-03</a:t>
+              <a:pPr/>
+              <a:t>2016-12-05</a:t>
             </a:fld>
             <a:endParaRPr lang="ko-KR" altLang="en-US"/>
           </a:p>
@@ -4171,6 +4197,7 @@
           <a:p>
             <a:fld id="{29DDBE92-39D1-46FF-9A42-06693BAB89C2}" type="slidenum">
               <a:rPr lang="ko-KR" altLang="en-US" smtClean="0"/>
+              <a:pPr/>
               <a:t>‹#›</a:t>
             </a:fld>
             <a:endParaRPr lang="ko-KR" altLang="en-US"/>
@@ -4497,7 +4524,7 @@
           <p:nvPr>
             <p:extLst>
               <p:ext uri="{D42A27DB-BD31-4B8C-83A1-F6EECF244321}">
-                <p14:modId xmlns:p14="http://schemas.microsoft.com/office/powerpoint/2010/main" val="167131388"/>
+                <p14:modId xmlns:p14="http://schemas.microsoft.com/office/powerpoint/2010/main" xmlns="" val="167131388"/>
               </p:ext>
             </p:extLst>
           </p:nvPr>
@@ -4902,6 +4929,7 @@
           <a:p>
             <a:fld id="{29DDBE92-39D1-46FF-9A42-06693BAB89C2}" type="slidenum">
               <a:rPr lang="ko-KR" altLang="en-US" smtClean="0"/>
+              <a:pPr/>
               <a:t>1</a:t>
             </a:fld>
             <a:endParaRPr lang="ko-KR" altLang="en-US" dirty="0"/>
@@ -4957,10 +4985,8 @@
           <a:p>
             <a:pPr algn="ctr"/>
             <a:r>
-              <a:rPr lang="en-US" altLang="ko-KR" dirty="0">
-                <a:hlinkClick r:id="rId2"/>
-              </a:rPr>
-              <a:t>Q&amp;A</a:t>
+              <a:rPr lang="ko-KR" altLang="en-US" dirty="0" smtClean="0"/>
+              <a:t>시연</a:t>
             </a:r>
             <a:endParaRPr lang="ko-KR" altLang="en-US" dirty="0"/>
           </a:p>
@@ -4981,7 +5007,7 @@
           <a:bodyPr/>
           <a:lstStyle/>
           <a:p>
-            <a:endParaRPr lang="ko-KR" altLang="en-US" dirty="0"/>
+            <a:endParaRPr lang="ko-KR" altLang="en-US" u="sng" dirty="0"/>
           </a:p>
         </p:txBody>
       </p:sp>
@@ -5002,6 +5028,7 @@
           <a:p>
             <a:fld id="{29DDBE92-39D1-46FF-9A42-06693BAB89C2}" type="slidenum">
               <a:rPr lang="ko-KR" altLang="en-US" smtClean="0"/>
+              <a:pPr/>
               <a:t>10</a:t>
             </a:fld>
             <a:endParaRPr lang="ko-KR" altLang="en-US"/>
@@ -5011,7 +5038,7 @@
     </p:spTree>
     <p:extLst>
       <p:ext uri="{BB962C8B-B14F-4D97-AF65-F5344CB8AC3E}">
-        <p14:creationId xmlns:p14="http://schemas.microsoft.com/office/powerpoint/2010/main" val="669942324"/>
+        <p14:creationId xmlns:p14="http://schemas.microsoft.com/office/powerpoint/2010/main" xmlns="" val="1763457049"/>
       </p:ext>
     </p:extLst>
   </p:cSld>
@@ -5055,6 +5082,112 @@
             <p:ph type="title"/>
           </p:nvPr>
         </p:nvSpPr>
+        <p:spPr/>
+        <p:txBody>
+          <a:bodyPr/>
+          <a:lstStyle/>
+          <a:p>
+            <a:pPr algn="ctr"/>
+            <a:r>
+              <a:rPr lang="en-US" altLang="ko-KR" dirty="0">
+                <a:hlinkClick r:id="rId2"/>
+              </a:rPr>
+              <a:t>Q&amp;A</a:t>
+            </a:r>
+            <a:endParaRPr lang="ko-KR" altLang="en-US" dirty="0"/>
+          </a:p>
+        </p:txBody>
+      </p:sp>
+      <p:sp>
+        <p:nvSpPr>
+          <p:cNvPr id="3" name="내용 개체 틀 2"/>
+          <p:cNvSpPr>
+            <a:spLocks noGrp="1"/>
+          </p:cNvSpPr>
+          <p:nvPr>
+            <p:ph idx="1"/>
+          </p:nvPr>
+        </p:nvSpPr>
+        <p:spPr/>
+        <p:txBody>
+          <a:bodyPr/>
+          <a:lstStyle/>
+          <a:p>
+            <a:endParaRPr lang="ko-KR" altLang="en-US" dirty="0"/>
+          </a:p>
+        </p:txBody>
+      </p:sp>
+      <p:sp>
+        <p:nvSpPr>
+          <p:cNvPr id="4" name="슬라이드 번호 개체 틀 3"/>
+          <p:cNvSpPr>
+            <a:spLocks noGrp="1"/>
+          </p:cNvSpPr>
+          <p:nvPr>
+            <p:ph type="sldNum" sz="quarter" idx="12"/>
+          </p:nvPr>
+        </p:nvSpPr>
+        <p:spPr/>
+        <p:txBody>
+          <a:bodyPr/>
+          <a:lstStyle/>
+          <a:p>
+            <a:fld id="{29DDBE92-39D1-46FF-9A42-06693BAB89C2}" type="slidenum">
+              <a:rPr lang="ko-KR" altLang="en-US" smtClean="0"/>
+              <a:pPr/>
+              <a:t>11</a:t>
+            </a:fld>
+            <a:endParaRPr lang="ko-KR" altLang="en-US"/>
+          </a:p>
+        </p:txBody>
+      </p:sp>
+    </p:spTree>
+    <p:extLst>
+      <p:ext uri="{BB962C8B-B14F-4D97-AF65-F5344CB8AC3E}">
+        <p14:creationId xmlns:p14="http://schemas.microsoft.com/office/powerpoint/2010/main" xmlns="" val="669942324"/>
+      </p:ext>
+    </p:extLst>
+  </p:cSld>
+  <p:clrMapOvr>
+    <a:masterClrMapping/>
+  </p:clrMapOvr>
+  <p:timing>
+    <p:tnLst>
+      <p:par>
+        <p:cTn id="1" dur="indefinite" restart="never" nodeType="tmRoot"/>
+      </p:par>
+    </p:tnLst>
+  </p:timing>
+</p:sld>
+</file>
+
+<file path=ppt/slides/slide12.xml><?xml version="1.0" encoding="utf-8"?>
+<p:sld xmlns:a="http://schemas.openxmlformats.org/drawingml/2006/main" xmlns:r="http://schemas.openxmlformats.org/officeDocument/2006/relationships" xmlns:p="http://schemas.openxmlformats.org/presentationml/2006/main">
+  <p:cSld>
+    <p:spTree>
+      <p:nvGrpSpPr>
+        <p:cNvPr id="1" name=""/>
+        <p:cNvGrpSpPr/>
+        <p:nvPr/>
+      </p:nvGrpSpPr>
+      <p:grpSpPr>
+        <a:xfrm>
+          <a:off x="0" y="0"/>
+          <a:ext cx="0" cy="0"/>
+          <a:chOff x="0" y="0"/>
+          <a:chExt cx="0" cy="0"/>
+        </a:xfrm>
+      </p:grpSpPr>
+      <p:sp>
+        <p:nvSpPr>
+          <p:cNvPr id="2" name="제목 1"/>
+          <p:cNvSpPr>
+            <a:spLocks noGrp="1"/>
+          </p:cNvSpPr>
+          <p:nvPr>
+            <p:ph type="title"/>
+          </p:nvPr>
+        </p:nvSpPr>
         <p:spPr>
           <a:xfrm>
             <a:off x="467544" y="2348880"/>
@@ -5091,7 +5224,8 @@
           <a:p>
             <a:fld id="{29DDBE92-39D1-46FF-9A42-06693BAB89C2}" type="slidenum">
               <a:rPr lang="ko-KR" altLang="en-US" smtClean="0"/>
-              <a:t>11</a:t>
+              <a:pPr/>
+              <a:t>12</a:t>
             </a:fld>
             <a:endParaRPr lang="ko-KR" altLang="en-US"/>
           </a:p>
@@ -5100,7 +5234,7 @@
     </p:spTree>
     <p:extLst>
       <p:ext uri="{BB962C8B-B14F-4D97-AF65-F5344CB8AC3E}">
-        <p14:creationId xmlns:p14="http://schemas.microsoft.com/office/powerpoint/2010/main" val="3687324899"/>
+        <p14:creationId xmlns:p14="http://schemas.microsoft.com/office/powerpoint/2010/main" xmlns="" val="3687324899"/>
       </p:ext>
     </p:extLst>
   </p:cSld>
@@ -5271,6 +5405,7 @@
           <a:p>
             <a:fld id="{29DDBE92-39D1-46FF-9A42-06693BAB89C2}" type="slidenum">
               <a:rPr lang="ko-KR" altLang="en-US" smtClean="0"/>
+              <a:pPr/>
               <a:t>2</a:t>
             </a:fld>
             <a:endParaRPr lang="ko-KR" altLang="en-US"/>
@@ -5447,6 +5582,7 @@
           <a:p>
             <a:fld id="{29DDBE92-39D1-46FF-9A42-06693BAB89C2}" type="slidenum">
               <a:rPr lang="ko-KR" altLang="en-US" smtClean="0"/>
+              <a:pPr/>
               <a:t>3</a:t>
             </a:fld>
             <a:endParaRPr lang="ko-KR" altLang="en-US"/>
@@ -5628,6 +5764,7 @@
           <a:p>
             <a:fld id="{29DDBE92-39D1-46FF-9A42-06693BAB89C2}" type="slidenum">
               <a:rPr lang="ko-KR" altLang="en-US" smtClean="0"/>
+              <a:pPr/>
               <a:t>4</a:t>
             </a:fld>
             <a:endParaRPr lang="ko-KR" altLang="en-US"/>
@@ -5712,6 +5849,7 @@
           <a:p>
             <a:fld id="{29DDBE92-39D1-46FF-9A42-06693BAB89C2}" type="slidenum">
               <a:rPr lang="ko-KR" altLang="en-US" smtClean="0"/>
+              <a:pPr/>
               <a:t>5</a:t>
             </a:fld>
             <a:endParaRPr lang="ko-KR" altLang="en-US"/>
@@ -6974,7 +7112,7 @@
             <p:ph idx="1"/>
             <p:extLst>
               <p:ext uri="{D42A27DB-BD31-4B8C-83A1-F6EECF244321}">
-                <p14:modId xmlns:p14="http://schemas.microsoft.com/office/powerpoint/2010/main" val="661162332"/>
+                <p14:modId xmlns:p14="http://schemas.microsoft.com/office/powerpoint/2010/main" xmlns="" val="661162332"/>
               </p:ext>
             </p:extLst>
           </p:nvPr>
@@ -7294,7 +7432,7 @@
                       </a:r>
                       <a:r>
                         <a:rPr lang="en-US" altLang="ko-KR" dirty="0" err="1" smtClean="0"/>
-                        <a:t>ImportStationAndTraninNumber</a:t>
+                        <a:t>ImportStationAndTrainNumber</a:t>
                       </a:r>
                       <a:r>
                         <a:rPr lang="en-US" altLang="ko-KR" dirty="0" smtClean="0"/>
@@ -7429,6 +7567,7 @@
           <a:p>
             <a:fld id="{29DDBE92-39D1-46FF-9A42-06693BAB89C2}" type="slidenum">
               <a:rPr lang="ko-KR" altLang="en-US" smtClean="0"/>
+              <a:pPr/>
               <a:t>6</a:t>
             </a:fld>
             <a:endParaRPr lang="ko-KR" altLang="en-US"/>
@@ -7438,7 +7577,7 @@
     </p:spTree>
     <p:extLst>
       <p:ext uri="{BB962C8B-B14F-4D97-AF65-F5344CB8AC3E}">
-        <p14:creationId xmlns:p14="http://schemas.microsoft.com/office/powerpoint/2010/main" val="1878232635"/>
+        <p14:creationId xmlns:p14="http://schemas.microsoft.com/office/powerpoint/2010/main" xmlns="" val="1878232635"/>
       </p:ext>
     </p:extLst>
   </p:cSld>
@@ -7552,6 +7691,7 @@
           <a:p>
             <a:fld id="{29DDBE92-39D1-46FF-9A42-06693BAB89C2}" type="slidenum">
               <a:rPr lang="ko-KR" altLang="en-US" smtClean="0"/>
+              <a:pPr/>
               <a:t>7</a:t>
             </a:fld>
             <a:endParaRPr lang="ko-KR" altLang="en-US"/>
@@ -7567,14 +7707,14 @@
           <p:nvPr>
             <p:extLst>
               <p:ext uri="{D42A27DB-BD31-4B8C-83A1-F6EECF244321}">
-                <p14:modId xmlns:p14="http://schemas.microsoft.com/office/powerpoint/2010/main" val="703515646"/>
+                <p14:modId xmlns:p14="http://schemas.microsoft.com/office/powerpoint/2010/main" xmlns="" val="703515646"/>
               </p:ext>
             </p:extLst>
           </p:nvPr>
         </p:nvGraphicFramePr>
         <p:xfrm>
           <a:off x="179512" y="1844824"/>
-          <a:ext cx="8640960" cy="4537092"/>
+          <a:ext cx="8640960" cy="4682284"/>
         </p:xfrm>
         <a:graphic>
           <a:graphicData uri="http://schemas.openxmlformats.org/drawingml/2006/table">
@@ -7658,7 +7798,55 @@
                       </a:r>
                       <a:r>
                         <a:rPr lang="ko-KR" altLang="en-US" dirty="0" smtClean="0"/>
-                        <a:t>정의서 작성하기</a:t>
+                        <a:t>정의서 </a:t>
+                      </a:r>
+                      <a:r>
+                        <a:rPr lang="ko-KR" altLang="en-US" dirty="0" smtClean="0"/>
+                        <a:t>작성하기</a:t>
+                      </a:r>
+                      <a:endParaRPr lang="en-US" altLang="ko-KR" dirty="0" smtClean="0"/>
+                    </a:p>
+                    <a:p>
+                      <a:pPr latinLnBrk="1"/>
+                      <a:r>
+                        <a:rPr lang="en-US" altLang="ko-KR" dirty="0" smtClean="0"/>
+                        <a:t>3)2</a:t>
+                      </a:r>
+                      <a:r>
+                        <a:rPr lang="ko-KR" altLang="en-US" dirty="0" smtClean="0"/>
+                        <a:t>차 분해자</a:t>
+                      </a:r>
+                      <a:r>
+                        <a:rPr lang="en-US" altLang="ko-KR" dirty="0" smtClean="0"/>
+                        <a:t>(</a:t>
+                      </a:r>
+                      <a:r>
+                        <a:rPr lang="ko-KR" altLang="en-US" dirty="0" smtClean="0"/>
+                        <a:t>기차</a:t>
+                      </a:r>
+                      <a:r>
+                        <a:rPr lang="en-US" altLang="ko-KR" dirty="0" smtClean="0"/>
+                        <a:t>)</a:t>
+                      </a:r>
+                      <a:r>
+                        <a:rPr lang="en-US" altLang="ko-KR" baseline="0" dirty="0" smtClean="0"/>
+                        <a:t> </a:t>
+                      </a:r>
+                      <a:r>
+                        <a:rPr lang="ko-KR" altLang="en-US" baseline="0" dirty="0" smtClean="0"/>
+                        <a:t>함수</a:t>
+                      </a:r>
+                      <a:r>
+                        <a:rPr lang="en-US" altLang="ko-KR" baseline="0" dirty="0" smtClean="0"/>
+                        <a:t>, </a:t>
+                      </a:r>
+                      <a:r>
+                        <a:rPr lang="ko-KR" altLang="en-US" baseline="0" dirty="0" err="1" smtClean="0"/>
+                        <a:t>환승</a:t>
+                      </a:r>
+                      <a:r>
+                        <a:rPr lang="ko-KR" altLang="en-US" baseline="0" dirty="0" smtClean="0"/>
+                        <a:t> 함수 제작</a:t>
                       </a:r>
                       <a:endParaRPr lang="en-US" altLang="ko-KR" dirty="0" smtClean="0"/>
                     </a:p>
@@ -7850,6 +8038,26 @@
                       <a:r>
                         <a:rPr lang="ko-KR" altLang="en-US" dirty="0" smtClean="0"/>
                         <a:t>작성하기</a:t>
+                      </a:r>
+                      <a:endParaRPr lang="en-US" altLang="ko-KR" dirty="0" smtClean="0"/>
+                    </a:p>
+                    <a:p>
+                      <a:pPr latinLnBrk="1"/>
+                      <a:r>
+                        <a:rPr lang="en-US" altLang="ko-KR" dirty="0" smtClean="0"/>
+                        <a:t>3)</a:t>
+                      </a:r>
+                      <a:r>
+                        <a:rPr lang="ko-KR" altLang="en-US" baseline="0" dirty="0" smtClean="0"/>
+                        <a:t>콘솔 </a:t>
+                      </a:r>
+                      <a:r>
+                        <a:rPr lang="en-US" altLang="ko-KR" baseline="0" dirty="0" smtClean="0"/>
+                        <a:t>GUI </a:t>
+                      </a:r>
+                      <a:r>
+                        <a:rPr lang="ko-KR" altLang="en-US" baseline="0" dirty="0" smtClean="0"/>
+                        <a:t>화면 제작</a:t>
                       </a:r>
                       <a:endParaRPr lang="ko-KR" altLang="en-US" dirty="0"/>
                     </a:p>
@@ -7981,8 +8189,165 @@
                           <a:ea typeface="+mn-ea"/>
                           <a:cs typeface="+mn-cs"/>
                         </a:rPr>
-                        <a:t>최종결과보고서 작성하기</a:t>
-                      </a:r>
+                        <a:t>최종결과보고서 </a:t>
+                      </a:r>
+                      <a:r>
+                        <a:rPr kumimoji="0" lang="ko-KR" altLang="en-US" sz="1800" kern="1200" dirty="0" smtClean="0">
+                          <a:solidFill>
+                            <a:schemeClr val="tx1"/>
+                          </a:solidFill>
+                          <a:effectLst/>
+                          <a:latin typeface="+mn-lt"/>
+                          <a:ea typeface="+mn-ea"/>
+                          <a:cs typeface="+mn-cs"/>
+                        </a:rPr>
+                        <a:t>작성하기</a:t>
+                      </a:r>
+                      <a:endParaRPr kumimoji="0" lang="en-US" altLang="ko-KR" sz="1800" kern="1200" dirty="0" smtClean="0">
+                        <a:solidFill>
+                          <a:schemeClr val="tx1"/>
+                        </a:solidFill>
+                        <a:effectLst/>
+                        <a:latin typeface="+mn-lt"/>
+                        <a:ea typeface="+mn-ea"/>
+                        <a:cs typeface="+mn-cs"/>
+                      </a:endParaRPr>
+                    </a:p>
+                    <a:p>
+                      <a:pPr marL="0" marR="0" lvl="0" indent="0" algn="l" defTabSz="914400" rtl="0" eaLnBrk="1" fontAlgn="auto" latinLnBrk="1" hangingPunct="1">
+                        <a:lnSpc>
+                          <a:spcPct val="100000"/>
+                        </a:lnSpc>
+                        <a:spcBef>
+                          <a:spcPts val="0"/>
+                        </a:spcBef>
+                        <a:spcAft>
+                          <a:spcPts val="0"/>
+                        </a:spcAft>
+                        <a:buClrTx/>
+                        <a:buSzTx/>
+                        <a:buFontTx/>
+                        <a:buNone/>
+                        <a:tabLst/>
+                        <a:defRPr/>
+                      </a:pPr>
+                      <a:r>
+                        <a:rPr kumimoji="0" lang="en-US" altLang="ko-KR" sz="1800" kern="1200" dirty="0" smtClean="0">
+                          <a:solidFill>
+                            <a:schemeClr val="tx1"/>
+                          </a:solidFill>
+                          <a:effectLst/>
+                          <a:latin typeface="+mn-lt"/>
+                          <a:ea typeface="+mn-ea"/>
+                          <a:cs typeface="+mn-cs"/>
+                        </a:rPr>
+                        <a:t>3)2</a:t>
+                      </a:r>
+                      <a:r>
+                        <a:rPr kumimoji="0" lang="ko-KR" altLang="en-US" sz="1800" kern="1200" dirty="0" smtClean="0">
+                          <a:solidFill>
+                            <a:schemeClr val="tx1"/>
+                          </a:solidFill>
+                          <a:effectLst/>
+                          <a:latin typeface="+mn-lt"/>
+                          <a:ea typeface="+mn-ea"/>
+                          <a:cs typeface="+mn-cs"/>
+                        </a:rPr>
+                        <a:t>차 분해자</a:t>
+                      </a:r>
+                      <a:r>
+                        <a:rPr kumimoji="0" lang="en-US" altLang="ko-KR" sz="1800" kern="1200" dirty="0" smtClean="0">
+                          <a:solidFill>
+                            <a:schemeClr val="tx1"/>
+                          </a:solidFill>
+                          <a:effectLst/>
+                          <a:latin typeface="+mn-lt"/>
+                          <a:ea typeface="+mn-ea"/>
+                          <a:cs typeface="+mn-cs"/>
+                        </a:rPr>
+                        <a:t>(</a:t>
+                      </a:r>
+                      <a:r>
+                        <a:rPr kumimoji="0" lang="ko-KR" altLang="en-US" sz="1800" kern="1200" dirty="0" smtClean="0">
+                          <a:solidFill>
+                            <a:schemeClr val="tx1"/>
+                          </a:solidFill>
+                          <a:effectLst/>
+                          <a:latin typeface="+mn-lt"/>
+                          <a:ea typeface="+mn-ea"/>
+                          <a:cs typeface="+mn-cs"/>
+                        </a:rPr>
+                        <a:t>지하철</a:t>
+                      </a:r>
+                      <a:r>
+                        <a:rPr kumimoji="0" lang="en-US" altLang="ko-KR" sz="1800" kern="1200" dirty="0" smtClean="0">
+                          <a:solidFill>
+                            <a:schemeClr val="tx1"/>
+                          </a:solidFill>
+                          <a:effectLst/>
+                          <a:latin typeface="+mn-lt"/>
+                          <a:ea typeface="+mn-ea"/>
+                          <a:cs typeface="+mn-cs"/>
+                        </a:rPr>
+                        <a:t>) </a:t>
+                      </a:r>
+                      <a:r>
+                        <a:rPr kumimoji="0" lang="ko-KR" altLang="en-US" sz="1800" kern="1200" dirty="0" smtClean="0">
+                          <a:solidFill>
+                            <a:schemeClr val="tx1"/>
+                          </a:solidFill>
+                          <a:effectLst/>
+                          <a:latin typeface="+mn-lt"/>
+                          <a:ea typeface="+mn-ea"/>
+                          <a:cs typeface="+mn-cs"/>
+                        </a:rPr>
+                        <a:t>함수</a:t>
+                      </a:r>
+                      <a:r>
+                        <a:rPr kumimoji="0" lang="en-US" altLang="ko-KR" sz="1800" kern="1200" dirty="0" smtClean="0">
+                          <a:solidFill>
+                            <a:schemeClr val="tx1"/>
+                          </a:solidFill>
+                          <a:effectLst/>
+                          <a:latin typeface="+mn-lt"/>
+                          <a:ea typeface="+mn-ea"/>
+                          <a:cs typeface="+mn-cs"/>
+                        </a:rPr>
+                        <a:t>, </a:t>
+                      </a:r>
+                      <a:r>
+                        <a:rPr kumimoji="0" lang="ko-KR" altLang="en-US" sz="1800" kern="1200" dirty="0" err="1" smtClean="0">
+                          <a:solidFill>
+                            <a:schemeClr val="tx1"/>
+                          </a:solidFill>
+                          <a:effectLst/>
+                          <a:latin typeface="+mn-lt"/>
+                          <a:ea typeface="+mn-ea"/>
+                          <a:cs typeface="+mn-cs"/>
+                        </a:rPr>
+                        <a:t>환승</a:t>
+                      </a:r>
+                      <a:r>
+                        <a:rPr kumimoji="0" lang="ko-KR" altLang="en-US" sz="1800" kern="1200" dirty="0" smtClean="0">
+                          <a:solidFill>
+                            <a:schemeClr val="tx1"/>
+                          </a:solidFill>
+                          <a:effectLst/>
+                          <a:latin typeface="+mn-lt"/>
+                          <a:ea typeface="+mn-ea"/>
+                          <a:cs typeface="+mn-cs"/>
+                        </a:rPr>
+                        <a:t> 함수 제작</a:t>
+                      </a:r>
+                      <a:endParaRPr kumimoji="0" lang="ko-KR" altLang="en-US" sz="1800" kern="1200" dirty="0" smtClean="0">
+                        <a:solidFill>
+                          <a:schemeClr val="tx1"/>
+                        </a:solidFill>
+                        <a:effectLst/>
+                        <a:latin typeface="+mn-lt"/>
+                        <a:ea typeface="+mn-ea"/>
+                        <a:cs typeface="+mn-cs"/>
+                      </a:endParaRPr>
                     </a:p>
                     <a:p>
                       <a:pPr latinLnBrk="1"/>
@@ -8016,15 +8381,15 @@
                       <a:pPr latinLnBrk="1"/>
                       <a:r>
                         <a:rPr lang="en-US" altLang="ko-KR" dirty="0" smtClean="0"/>
-                        <a:t>1)</a:t>
-                      </a:r>
-                      <a:r>
-                        <a:rPr lang="ko-KR" altLang="en-US" dirty="0" err="1" smtClean="0"/>
-                        <a:t>큰틀</a:t>
+                        <a:t>1</a:t>
+                      </a:r>
+                      <a:r>
+                        <a:rPr lang="en-US" altLang="ko-KR" dirty="0" smtClean="0"/>
+                        <a:t>)</a:t>
                       </a:r>
                       <a:r>
                         <a:rPr lang="ko-KR" altLang="en-US" dirty="0" smtClean="0"/>
-                        <a:t> 만들기</a:t>
+                        <a:t>전체적인 프로그램 구조도 설계</a:t>
                       </a:r>
                       <a:endParaRPr lang="en-US" altLang="ko-KR" dirty="0" smtClean="0"/>
                     </a:p>
@@ -8055,26 +8420,18 @@
                         <a:t>3)</a:t>
                       </a:r>
                       <a:r>
-                        <a:rPr lang="ko-KR" altLang="en-US" dirty="0" smtClean="0"/>
-                        <a:t>발표</a:t>
-                      </a:r>
-                      <a:r>
-                        <a:rPr lang="en-US" altLang="ko-KR" dirty="0" err="1" smtClean="0"/>
-                        <a:t>ppt</a:t>
-                      </a:r>
-                      <a:r>
-                        <a:rPr lang="en-US" altLang="ko-KR" dirty="0" smtClean="0"/>
-                        <a:t>(1)</a:t>
-                      </a:r>
-                      <a:r>
-                        <a:rPr lang="ko-KR" altLang="en-US" dirty="0" smtClean="0"/>
-                        <a:t>작성하기</a:t>
+                        <a:rPr lang="en-US" altLang="ko-KR" baseline="0" dirty="0" smtClean="0"/>
+                        <a:t>1</a:t>
+                      </a:r>
+                      <a:r>
+                        <a:rPr lang="ko-KR" altLang="en-US" baseline="0" dirty="0" smtClean="0"/>
+                        <a:t>차 분해자 함수 제작</a:t>
                       </a:r>
                       <a:endParaRPr lang="en-US" altLang="ko-KR" dirty="0" smtClean="0"/>
                     </a:p>
                     <a:p>
                       <a:pPr latinLnBrk="1"/>
-                      <a:endParaRPr lang="ko-KR" altLang="en-US" dirty="0"/>
+                      <a:endParaRPr lang="ko-KR" altLang="en-US" b="1" dirty="0"/>
                     </a:p>
                   </a:txBody>
                   <a:tcPr/>
@@ -8087,7 +8444,7 @@
     </p:spTree>
     <p:extLst>
       <p:ext uri="{BB962C8B-B14F-4D97-AF65-F5344CB8AC3E}">
-        <p14:creationId xmlns:p14="http://schemas.microsoft.com/office/powerpoint/2010/main" val="1183310328"/>
+        <p14:creationId xmlns:p14="http://schemas.microsoft.com/office/powerpoint/2010/main" xmlns="" val="1183310328"/>
       </p:ext>
     </p:extLst>
   </p:cSld>
@@ -8176,7 +8533,7 @@
             <p:ph idx="1"/>
             <p:extLst>
               <p:ext uri="{D42A27DB-BD31-4B8C-83A1-F6EECF244321}">
-                <p14:modId xmlns:p14="http://schemas.microsoft.com/office/powerpoint/2010/main" val="2711377951"/>
+                <p14:modId xmlns:p14="http://schemas.microsoft.com/office/powerpoint/2010/main" xmlns="" val="2711377951"/>
               </p:ext>
             </p:extLst>
           </p:nvPr>
@@ -8440,6 +8797,7 @@
           <a:p>
             <a:fld id="{29DDBE92-39D1-46FF-9A42-06693BAB89C2}" type="slidenum">
               <a:rPr lang="ko-KR" altLang="en-US" smtClean="0"/>
+              <a:pPr/>
               <a:t>8</a:t>
             </a:fld>
             <a:endParaRPr lang="ko-KR" altLang="en-US"/>
@@ -8449,7 +8807,7 @@
     </p:spTree>
     <p:extLst>
       <p:ext uri="{BB962C8B-B14F-4D97-AF65-F5344CB8AC3E}">
-        <p14:creationId xmlns:p14="http://schemas.microsoft.com/office/powerpoint/2010/main" val="3788053305"/>
+        <p14:creationId xmlns:p14="http://schemas.microsoft.com/office/powerpoint/2010/main" xmlns="" val="3788053305"/>
       </p:ext>
     </p:extLst>
   </p:cSld>
@@ -8501,31 +8859,35 @@
             <a:pPr algn="ctr"/>
             <a:r>
               <a:rPr lang="ko-KR" altLang="en-US" dirty="0" smtClean="0"/>
-              <a:t>시연</a:t>
+              <a:t>깃 사용이력</a:t>
             </a:r>
             <a:endParaRPr lang="ko-KR" altLang="en-US" dirty="0"/>
           </a:p>
         </p:txBody>
       </p:sp>
-      <p:sp>
-        <p:nvSpPr>
-          <p:cNvPr id="3" name="내용 개체 틀 2"/>
-          <p:cNvSpPr>
-            <a:spLocks noGrp="1"/>
-          </p:cNvSpPr>
+      <p:pic>
+        <p:nvPicPr>
+          <p:cNvPr id="5" name="내용 개체 틀 4" descr="K-477.png"/>
+          <p:cNvPicPr>
+            <a:picLocks noGrp="1" noChangeAspect="1"/>
+          </p:cNvPicPr>
           <p:nvPr>
             <p:ph idx="1"/>
           </p:nvPr>
-        </p:nvSpPr>
-        <p:spPr/>
-        <p:txBody>
-          <a:bodyPr/>
-          <a:lstStyle/>
-          <a:p>
-            <a:endParaRPr lang="ko-KR" altLang="en-US" u="sng" dirty="0"/>
-          </a:p>
-        </p:txBody>
-      </p:sp>
+        </p:nvPicPr>
+        <p:blipFill>
+          <a:blip r:embed="rId2" cstate="print"/>
+          <a:stretch>
+            <a:fillRect/>
+          </a:stretch>
+        </p:blipFill>
+        <p:spPr>
+          <a:xfrm>
+            <a:off x="1478282" y="2249488"/>
+            <a:ext cx="6187435" cy="4324350"/>
+          </a:xfrm>
+        </p:spPr>
+      </p:pic>
       <p:sp>
         <p:nvSpPr>
           <p:cNvPr id="4" name="슬라이드 번호 개체 틀 3"/>
@@ -8543,6 +8905,7 @@
           <a:p>
             <a:fld id="{29DDBE92-39D1-46FF-9A42-06693BAB89C2}" type="slidenum">
               <a:rPr lang="ko-KR" altLang="en-US" smtClean="0"/>
+              <a:pPr/>
               <a:t>9</a:t>
             </a:fld>
             <a:endParaRPr lang="ko-KR" altLang="en-US"/>
@@ -8552,7 +8915,7 @@
     </p:spTree>
     <p:extLst>
       <p:ext uri="{BB962C8B-B14F-4D97-AF65-F5344CB8AC3E}">
-        <p14:creationId xmlns:p14="http://schemas.microsoft.com/office/powerpoint/2010/main" val="1763457049"/>
+        <p14:creationId xmlns:p14="http://schemas.microsoft.com/office/powerpoint/2010/main" xmlns="" val="1763457049"/>
       </p:ext>
     </p:extLst>
   </p:cSld>
